--- a/presentation.pptx
+++ b/presentation.pptx
@@ -899,7 +899,7 @@
         <a:lstStyle/>
         <a:p>
           <a:r>
-            <a:rPr lang="en-US" sz="2300" dirty="0" smtClean="0"/>
+            <a:rPr lang="en-US" sz="2300" dirty="0"/>
             <a:t>Recommender System</a:t>
           </a:r>
         </a:p>
@@ -926,7 +926,7 @@
                 <a14:useLocalDpi xmlns:a14="http://schemas.microsoft.com/office/drawing/2010/main" val="0"/>
               </a:ext>
               <a:ext uri="{96DAC541-7B7A-43D3-8B79-37D633B846F1}">
-                <asvg:svgBlip xmlns="" xmlns:asvg="http://schemas.microsoft.com/office/drawing/2016/SVG/main" r:embed="rId2"/>
+                <asvg:svgBlip xmlns:asvg="http://schemas.microsoft.com/office/drawing/2016/SVG/main" r:embed="rId2"/>
               </a:ext>
             </a:extLst>
           </a:blip>
@@ -964,10 +964,9 @@
         <a:lstStyle/>
         <a:p>
           <a:r>
-            <a:rPr lang="en-US" dirty="0" smtClean="0"/>
+            <a:rPr lang="en-US" dirty="0"/>
             <a:t>Machine learning</a:t>
           </a:r>
-          <a:endParaRPr lang="en-US" dirty="0"/>
         </a:p>
       </dgm:t>
     </dgm:pt>
@@ -992,7 +991,7 @@
                 <a14:useLocalDpi xmlns:a14="http://schemas.microsoft.com/office/drawing/2010/main" val="0"/>
               </a:ext>
               <a:ext uri="{96DAC541-7B7A-43D3-8B79-37D633B846F1}">
-                <asvg:svgBlip xmlns="" xmlns:asvg="http://schemas.microsoft.com/office/drawing/2016/SVG/main" r:embed="rId4"/>
+                <asvg:svgBlip xmlns:asvg="http://schemas.microsoft.com/office/drawing/2016/SVG/main" r:embed="rId4"/>
               </a:ext>
             </a:extLst>
           </a:blip>
@@ -1023,10 +1022,9 @@
         <a:lstStyle/>
         <a:p>
           <a:r>
-            <a:rPr lang="en-US" dirty="0" smtClean="0"/>
+            <a:rPr lang="en-US" dirty="0"/>
             <a:t>Exploratory analysis</a:t>
           </a:r>
-          <a:endParaRPr lang="en-US" dirty="0"/>
         </a:p>
       </dgm:t>
     </dgm:pt>
@@ -1051,7 +1049,7 @@
                 <a14:useLocalDpi xmlns:a14="http://schemas.microsoft.com/office/drawing/2010/main" val="0"/>
               </a:ext>
               <a:ext uri="{96DAC541-7B7A-43D3-8B79-37D633B846F1}">
-                <asvg:svgBlip xmlns="" xmlns:asvg="http://schemas.microsoft.com/office/drawing/2016/SVG/main" r:embed="rId6"/>
+                <asvg:svgBlip xmlns:asvg="http://schemas.microsoft.com/office/drawing/2016/SVG/main" r:embed="rId6"/>
               </a:ext>
             </a:extLst>
           </a:blip>
@@ -1082,10 +1080,9 @@
         <a:lstStyle/>
         <a:p>
           <a:r>
-            <a:rPr lang="en-US" dirty="0" smtClean="0"/>
+            <a:rPr lang="en-US" dirty="0"/>
             <a:t>Inferential analysis</a:t>
           </a:r>
-          <a:endParaRPr lang="en-US" dirty="0"/>
         </a:p>
       </dgm:t>
     </dgm:pt>
@@ -1110,7 +1107,7 @@
                 <a14:useLocalDpi xmlns:a14="http://schemas.microsoft.com/office/drawing/2010/main" val="0"/>
               </a:ext>
               <a:ext uri="{96DAC541-7B7A-43D3-8B79-37D633B846F1}">
-                <asvg:svgBlip xmlns="" xmlns:asvg="http://schemas.microsoft.com/office/drawing/2016/SVG/main" r:embed="rId8"/>
+                <asvg:svgBlip xmlns:asvg="http://schemas.microsoft.com/office/drawing/2016/SVG/main" r:embed="rId8"/>
               </a:ext>
             </a:extLst>
           </a:blip>
@@ -1142,13 +1139,6 @@
         </dgm:presLayoutVars>
       </dgm:prSet>
       <dgm:spPr/>
-      <dgm:t>
-        <a:bodyPr/>
-        <a:lstStyle/>
-        <a:p>
-          <a:endParaRPr lang="en-US"/>
-        </a:p>
-      </dgm:t>
     </dgm:pt>
     <dgm:pt modelId="{B18AE322-EE24-4F21-BA38-33A0666D285C}" type="pres">
       <dgm:prSet presAssocID="{489A589A-46DE-0F49-B460-E7914F3E440D}" presName="Name1" presStyleCnt="0"/>
@@ -1161,13 +1151,6 @@
     <dgm:pt modelId="{4B45A233-591B-4AA8-B1F4-FD981D611E73}" type="pres">
       <dgm:prSet presAssocID="{D044F6BA-1D90-EC47-8A78-B9796198ECF5}" presName="pictureRepeatNode" presStyleLbl="alignImgPlace1" presStyleIdx="0" presStyleCnt="4" custLinFactNeighborX="-487"/>
       <dgm:spPr/>
-      <dgm:t>
-        <a:bodyPr/>
-        <a:lstStyle/>
-        <a:p>
-          <a:endParaRPr lang="en-US"/>
-        </a:p>
-      </dgm:t>
     </dgm:pt>
     <dgm:pt modelId="{283005FA-6463-4617-A2CF-7C3C4FCD1B71}" type="pres">
       <dgm:prSet presAssocID="{66039115-797B-304C-9FC0-EFABB1F21232}" presName="text_1" presStyleLbl="node1" presStyleIdx="0" presStyleCnt="0" custScaleY="40894" custLinFactY="53723" custLinFactNeighborX="-1857" custLinFactNeighborY="100000">
@@ -1176,13 +1159,6 @@
         </dgm:presLayoutVars>
       </dgm:prSet>
       <dgm:spPr/>
-      <dgm:t>
-        <a:bodyPr/>
-        <a:lstStyle/>
-        <a:p>
-          <a:endParaRPr lang="en-US"/>
-        </a:p>
-      </dgm:t>
     </dgm:pt>
     <dgm:pt modelId="{8EE97887-47F6-4AA2-B555-B4C65C838496}" type="pres">
       <dgm:prSet presAssocID="{BC971DAC-9BE2-44B2-ABE4-8099C777E9C4}" presName="picture_2" presStyleCnt="0"/>
@@ -1191,13 +1167,6 @@
     <dgm:pt modelId="{5650C73F-166D-441B-B100-602E6E50702D}" type="pres">
       <dgm:prSet presAssocID="{BC971DAC-9BE2-44B2-ABE4-8099C777E9C4}" presName="pictureRepeatNode" presStyleLbl="alignImgPlace1" presStyleIdx="1" presStyleCnt="4"/>
       <dgm:spPr/>
-      <dgm:t>
-        <a:bodyPr/>
-        <a:lstStyle/>
-        <a:p>
-          <a:endParaRPr lang="en-US"/>
-        </a:p>
-      </dgm:t>
     </dgm:pt>
     <dgm:pt modelId="{15357313-1612-4DD3-B23B-A1746EAAD445}" type="pres">
       <dgm:prSet presAssocID="{E39563C5-C199-4F5B-A899-8CC0710341A0}" presName="line_2" presStyleLbl="parChTrans1D1" presStyleIdx="0" presStyleCnt="3" custFlipVert="1" custSzY="45720" custScaleX="48461" custLinFactY="97555" custLinFactNeighborX="11416" custLinFactNeighborY="100000"/>
@@ -1214,13 +1183,6 @@
         </dgm:presLayoutVars>
       </dgm:prSet>
       <dgm:spPr/>
-      <dgm:t>
-        <a:bodyPr/>
-        <a:lstStyle/>
-        <a:p>
-          <a:endParaRPr lang="en-US"/>
-        </a:p>
-      </dgm:t>
     </dgm:pt>
     <dgm:pt modelId="{C0C3E615-6E18-4432-A096-9047769FED28}" type="pres">
       <dgm:prSet presAssocID="{72FFCBD4-DD9D-4E06-81E4-54307F97A3F0}" presName="picture_3" presStyleCnt="0"/>
@@ -1229,13 +1191,6 @@
     <dgm:pt modelId="{1603A9FB-E8BE-4A12-940B-4A7281FB6C9B}" type="pres">
       <dgm:prSet presAssocID="{72FFCBD4-DD9D-4E06-81E4-54307F97A3F0}" presName="pictureRepeatNode" presStyleLbl="alignImgPlace1" presStyleIdx="2" presStyleCnt="4"/>
       <dgm:spPr/>
-      <dgm:t>
-        <a:bodyPr/>
-        <a:lstStyle/>
-        <a:p>
-          <a:endParaRPr lang="en-US"/>
-        </a:p>
-      </dgm:t>
     </dgm:pt>
     <dgm:pt modelId="{33A93E91-1CCE-4DE9-AE34-E4BE1F15F479}" type="pres">
       <dgm:prSet presAssocID="{15B1A768-2666-4AB4-BDA7-F0E3C4160D59}" presName="line_3" presStyleLbl="parChTrans1D1" presStyleIdx="1" presStyleCnt="3" custFlipVert="1" custSzY="45720" custScaleX="25627" custLinFactNeighborX="18391" custLinFactNeighborY="84667"/>
@@ -1252,13 +1207,6 @@
         </dgm:presLayoutVars>
       </dgm:prSet>
       <dgm:spPr/>
-      <dgm:t>
-        <a:bodyPr/>
-        <a:lstStyle/>
-        <a:p>
-          <a:endParaRPr lang="en-US"/>
-        </a:p>
-      </dgm:t>
     </dgm:pt>
     <dgm:pt modelId="{2636DC21-F802-492C-BAE2-173DAF467730}" type="pres">
       <dgm:prSet presAssocID="{19FB306E-81B4-4F3F-99EE-765120CBB6B3}" presName="picture_4" presStyleCnt="0"/>
@@ -1267,13 +1215,6 @@
     <dgm:pt modelId="{4A9742AD-B577-4378-AF83-DC5ECD325381}" type="pres">
       <dgm:prSet presAssocID="{19FB306E-81B4-4F3F-99EE-765120CBB6B3}" presName="pictureRepeatNode" presStyleLbl="alignImgPlace1" presStyleIdx="3" presStyleCnt="4"/>
       <dgm:spPr/>
-      <dgm:t>
-        <a:bodyPr/>
-        <a:lstStyle/>
-        <a:p>
-          <a:endParaRPr lang="en-US"/>
-        </a:p>
-      </dgm:t>
     </dgm:pt>
     <dgm:pt modelId="{A9926F31-E651-4DE8-98F4-4989FD9B3A91}" type="pres">
       <dgm:prSet presAssocID="{3AA5586A-C40E-4DDA-98A5-6545F36F46AB}" presName="line_4" presStyleLbl="parChTrans1D1" presStyleIdx="2" presStyleCnt="3" custFlipVert="0" custSzY="45720" custScaleX="46358" custLinFactY="-5834" custLinFactNeighborX="11532" custLinFactNeighborY="-100000"/>
@@ -1290,29 +1231,22 @@
         </dgm:presLayoutVars>
       </dgm:prSet>
       <dgm:spPr/>
-      <dgm:t>
-        <a:bodyPr/>
-        <a:lstStyle/>
-        <a:p>
-          <a:endParaRPr lang="en-US"/>
-        </a:p>
-      </dgm:t>
     </dgm:pt>
   </dgm:ptLst>
   <dgm:cxnLst>
+    <dgm:cxn modelId="{5D586F1E-9216-4416-8E2E-95CFEE7527E3}" type="presOf" srcId="{E39563C5-C199-4F5B-A899-8CC0710341A0}" destId="{8590389C-1B78-4161-83D2-B7C475E19097}" srcOrd="0" destOrd="0" presId="urn:microsoft.com/office/officeart/2008/layout/CircularPictureCallout"/>
+    <dgm:cxn modelId="{08DEC938-538C-403B-80C3-828B96DAFF82}" srcId="{489A589A-46DE-0F49-B460-E7914F3E440D}" destId="{15B1A768-2666-4AB4-BDA7-F0E3C4160D59}" srcOrd="2" destOrd="0" parTransId="{D47033D3-4E41-485A-B515-A02A8C3B404A}" sibTransId="{72FFCBD4-DD9D-4E06-81E4-54307F97A3F0}"/>
+    <dgm:cxn modelId="{B2E8436E-C6B6-47CF-A2C8-D36E680C87AD}" type="presOf" srcId="{BC971DAC-9BE2-44B2-ABE4-8099C777E9C4}" destId="{5650C73F-166D-441B-B100-602E6E50702D}" srcOrd="0" destOrd="0" presId="urn:microsoft.com/office/officeart/2008/layout/CircularPictureCallout"/>
+    <dgm:cxn modelId="{178E1C52-9097-4E26-B8B0-E893E107C30B}" type="presOf" srcId="{15B1A768-2666-4AB4-BDA7-F0E3C4160D59}" destId="{A5E1DD1A-6AA9-444E-BC1A-9868701E30FD}" srcOrd="0" destOrd="0" presId="urn:microsoft.com/office/officeart/2008/layout/CircularPictureCallout"/>
+    <dgm:cxn modelId="{31C3237C-2299-B649-8C93-587C97AC9999}" srcId="{489A589A-46DE-0F49-B460-E7914F3E440D}" destId="{66039115-797B-304C-9FC0-EFABB1F21232}" srcOrd="0" destOrd="0" parTransId="{C8EABE8F-1E84-494E-AD8A-32BA419A36E9}" sibTransId="{D044F6BA-1D90-EC47-8A78-B9796198ECF5}"/>
+    <dgm:cxn modelId="{00AE658D-B012-4ADC-BD12-0CA2745E6A2E}" type="presOf" srcId="{489A589A-46DE-0F49-B460-E7914F3E440D}" destId="{31CDA5B9-892A-4957-A6C1-CB474EDD26B3}" srcOrd="0" destOrd="0" presId="urn:microsoft.com/office/officeart/2008/layout/CircularPictureCallout"/>
+    <dgm:cxn modelId="{14F70CBE-12D4-40B1-8BCC-DDE90B698CAB}" type="presOf" srcId="{19FB306E-81B4-4F3F-99EE-765120CBB6B3}" destId="{4A9742AD-B577-4378-AF83-DC5ECD325381}" srcOrd="0" destOrd="0" presId="urn:microsoft.com/office/officeart/2008/layout/CircularPictureCallout"/>
+    <dgm:cxn modelId="{75ACB9C9-9A0E-4BFC-B758-E53A6916A24B}" type="presOf" srcId="{3AA5586A-C40E-4DDA-98A5-6545F36F46AB}" destId="{3F9AD50F-4E5E-4216-8AAF-56B9193E68BC}" srcOrd="0" destOrd="0" presId="urn:microsoft.com/office/officeart/2008/layout/CircularPictureCallout"/>
+    <dgm:cxn modelId="{929599CE-BA4C-4351-A93E-2209A86F4B40}" type="presOf" srcId="{D044F6BA-1D90-EC47-8A78-B9796198ECF5}" destId="{4B45A233-591B-4AA8-B1F4-FD981D611E73}" srcOrd="0" destOrd="0" presId="urn:microsoft.com/office/officeart/2008/layout/CircularPictureCallout"/>
     <dgm:cxn modelId="{BBAD9FDB-1013-4B11-A9AE-2815527D1B78}" srcId="{489A589A-46DE-0F49-B460-E7914F3E440D}" destId="{E39563C5-C199-4F5B-A899-8CC0710341A0}" srcOrd="1" destOrd="0" parTransId="{6531EA77-44C5-4E3D-BA04-70C1E49BCD39}" sibTransId="{BC971DAC-9BE2-44B2-ABE4-8099C777E9C4}"/>
-    <dgm:cxn modelId="{08DEC938-538C-403B-80C3-828B96DAFF82}" srcId="{489A589A-46DE-0F49-B460-E7914F3E440D}" destId="{15B1A768-2666-4AB4-BDA7-F0E3C4160D59}" srcOrd="2" destOrd="0" parTransId="{D47033D3-4E41-485A-B515-A02A8C3B404A}" sibTransId="{72FFCBD4-DD9D-4E06-81E4-54307F97A3F0}"/>
-    <dgm:cxn modelId="{14F70CBE-12D4-40B1-8BCC-DDE90B698CAB}" type="presOf" srcId="{19FB306E-81B4-4F3F-99EE-765120CBB6B3}" destId="{4A9742AD-B577-4378-AF83-DC5ECD325381}" srcOrd="0" destOrd="0" presId="urn:microsoft.com/office/officeart/2008/layout/CircularPictureCallout"/>
-    <dgm:cxn modelId="{31C3237C-2299-B649-8C93-587C97AC9999}" srcId="{489A589A-46DE-0F49-B460-E7914F3E440D}" destId="{66039115-797B-304C-9FC0-EFABB1F21232}" srcOrd="0" destOrd="0" parTransId="{C8EABE8F-1E84-494E-AD8A-32BA419A36E9}" sibTransId="{D044F6BA-1D90-EC47-8A78-B9796198ECF5}"/>
-    <dgm:cxn modelId="{75ACB9C9-9A0E-4BFC-B758-E53A6916A24B}" type="presOf" srcId="{3AA5586A-C40E-4DDA-98A5-6545F36F46AB}" destId="{3F9AD50F-4E5E-4216-8AAF-56B9193E68BC}" srcOrd="0" destOrd="0" presId="urn:microsoft.com/office/officeart/2008/layout/CircularPictureCallout"/>
+    <dgm:cxn modelId="{1A391DE8-FF69-4955-BF1B-228A9577CA7B}" type="presOf" srcId="{66039115-797B-304C-9FC0-EFABB1F21232}" destId="{283005FA-6463-4617-A2CF-7C3C4FCD1B71}" srcOrd="0" destOrd="0" presId="urn:microsoft.com/office/officeart/2008/layout/CircularPictureCallout"/>
     <dgm:cxn modelId="{7E6A3AF0-1322-4319-BEBD-2CD61A0A57CA}" type="presOf" srcId="{72FFCBD4-DD9D-4E06-81E4-54307F97A3F0}" destId="{1603A9FB-E8BE-4A12-940B-4A7281FB6C9B}" srcOrd="0" destOrd="0" presId="urn:microsoft.com/office/officeart/2008/layout/CircularPictureCallout"/>
     <dgm:cxn modelId="{119FEAF1-383D-4740-9124-CC9EEA7E35F9}" srcId="{489A589A-46DE-0F49-B460-E7914F3E440D}" destId="{3AA5586A-C40E-4DDA-98A5-6545F36F46AB}" srcOrd="3" destOrd="0" parTransId="{ABF44FB7-9255-4D99-BC69-3BE74FDF8E87}" sibTransId="{19FB306E-81B4-4F3F-99EE-765120CBB6B3}"/>
-    <dgm:cxn modelId="{929599CE-BA4C-4351-A93E-2209A86F4B40}" type="presOf" srcId="{D044F6BA-1D90-EC47-8A78-B9796198ECF5}" destId="{4B45A233-591B-4AA8-B1F4-FD981D611E73}" srcOrd="0" destOrd="0" presId="urn:microsoft.com/office/officeart/2008/layout/CircularPictureCallout"/>
-    <dgm:cxn modelId="{5D586F1E-9216-4416-8E2E-95CFEE7527E3}" type="presOf" srcId="{E39563C5-C199-4F5B-A899-8CC0710341A0}" destId="{8590389C-1B78-4161-83D2-B7C475E19097}" srcOrd="0" destOrd="0" presId="urn:microsoft.com/office/officeart/2008/layout/CircularPictureCallout"/>
-    <dgm:cxn modelId="{1A391DE8-FF69-4955-BF1B-228A9577CA7B}" type="presOf" srcId="{66039115-797B-304C-9FC0-EFABB1F21232}" destId="{283005FA-6463-4617-A2CF-7C3C4FCD1B71}" srcOrd="0" destOrd="0" presId="urn:microsoft.com/office/officeart/2008/layout/CircularPictureCallout"/>
-    <dgm:cxn modelId="{178E1C52-9097-4E26-B8B0-E893E107C30B}" type="presOf" srcId="{15B1A768-2666-4AB4-BDA7-F0E3C4160D59}" destId="{A5E1DD1A-6AA9-444E-BC1A-9868701E30FD}" srcOrd="0" destOrd="0" presId="urn:microsoft.com/office/officeart/2008/layout/CircularPictureCallout"/>
-    <dgm:cxn modelId="{00AE658D-B012-4ADC-BD12-0CA2745E6A2E}" type="presOf" srcId="{489A589A-46DE-0F49-B460-E7914F3E440D}" destId="{31CDA5B9-892A-4957-A6C1-CB474EDD26B3}" srcOrd="0" destOrd="0" presId="urn:microsoft.com/office/officeart/2008/layout/CircularPictureCallout"/>
-    <dgm:cxn modelId="{B2E8436E-C6B6-47CF-A2C8-D36E680C87AD}" type="presOf" srcId="{BC971DAC-9BE2-44B2-ABE4-8099C777E9C4}" destId="{5650C73F-166D-441B-B100-602E6E50702D}" srcOrd="0" destOrd="0" presId="urn:microsoft.com/office/officeart/2008/layout/CircularPictureCallout"/>
     <dgm:cxn modelId="{E26EB438-0264-4FD9-871D-96A518667F70}" type="presParOf" srcId="{31CDA5B9-892A-4957-A6C1-CB474EDD26B3}" destId="{B18AE322-EE24-4F21-BA38-33A0666D285C}" srcOrd="0" destOrd="0" presId="urn:microsoft.com/office/officeart/2008/layout/CircularPictureCallout"/>
     <dgm:cxn modelId="{A5DCF62A-B007-40A8-A32A-8A50AC5EE75D}" type="presParOf" srcId="{B18AE322-EE24-4F21-BA38-33A0666D285C}" destId="{7F52993D-99F4-4D8C-A62C-5BFF7578D04D}" srcOrd="0" destOrd="0" presId="urn:microsoft.com/office/officeart/2008/layout/CircularPictureCallout"/>
     <dgm:cxn modelId="{CC0FC3E0-B36D-469A-AF5D-0B7A3398B324}" type="presParOf" srcId="{7F52993D-99F4-4D8C-A62C-5BFF7578D04D}" destId="{4B45A233-591B-4AA8-B1F4-FD981D611E73}" srcOrd="0" destOrd="0" presId="urn:microsoft.com/office/officeart/2008/layout/CircularPictureCallout"/>
@@ -1494,7 +1428,7 @@
                 <a14:useLocalDpi xmlns:a14="http://schemas.microsoft.com/office/drawing/2010/main" val="0"/>
               </a:ext>
               <a:ext uri="{96DAC541-7B7A-43D3-8B79-37D633B846F1}">
-                <asvg:svgBlip xmlns="" xmlns:asvg="http://schemas.microsoft.com/office/drawing/2016/SVG/main" r:embed="rId2"/>
+                <asvg:svgBlip xmlns:asvg="http://schemas.microsoft.com/office/drawing/2016/SVG/main" r:embed="rId2"/>
               </a:ext>
             </a:extLst>
           </a:blip>
@@ -1567,7 +1501,7 @@
         </a:bodyPr>
         <a:lstStyle/>
         <a:p>
-          <a:pPr lvl="0" algn="ctr" defTabSz="1022350">
+          <a:pPr marL="0" lvl="0" indent="0" algn="ctr" defTabSz="1022350">
             <a:lnSpc>
               <a:spcPct val="90000"/>
             </a:lnSpc>
@@ -1577,9 +1511,10 @@
             <a:spcAft>
               <a:spcPct val="35000"/>
             </a:spcAft>
+            <a:buNone/>
           </a:pPr>
           <a:r>
-            <a:rPr lang="en-US" sz="2300" kern="1200" dirty="0" smtClean="0"/>
+            <a:rPr lang="en-US" sz="2300" kern="1200" dirty="0"/>
             <a:t>Recommender System</a:t>
           </a:r>
         </a:p>
@@ -1609,7 +1544,7 @@
                 <a14:useLocalDpi xmlns:a14="http://schemas.microsoft.com/office/drawing/2010/main" val="0"/>
               </a:ext>
               <a:ext uri="{96DAC541-7B7A-43D3-8B79-37D633B846F1}">
-                <asvg:svgBlip xmlns="" xmlns:asvg="http://schemas.microsoft.com/office/drawing/2016/SVG/main" r:embed="rId4"/>
+                <asvg:svgBlip xmlns:asvg="http://schemas.microsoft.com/office/drawing/2016/SVG/main" r:embed="rId4"/>
               </a:ext>
             </a:extLst>
           </a:blip>
@@ -1681,7 +1616,7 @@
         </a:bodyPr>
         <a:lstStyle/>
         <a:p>
-          <a:pPr lvl="0" algn="l" defTabSz="844550">
+          <a:pPr marL="0" lvl="0" indent="0" algn="l" defTabSz="844550">
             <a:lnSpc>
               <a:spcPct val="90000"/>
             </a:lnSpc>
@@ -1691,12 +1626,12 @@
             <a:spcAft>
               <a:spcPct val="35000"/>
             </a:spcAft>
+            <a:buNone/>
           </a:pPr>
           <a:r>
-            <a:rPr lang="en-US" sz="1900" kern="1200" dirty="0" smtClean="0"/>
+            <a:rPr lang="en-US" sz="1900" kern="1200" dirty="0"/>
             <a:t>Machine learning</a:t>
           </a:r>
-          <a:endParaRPr lang="en-US" sz="1900" kern="1200" dirty="0"/>
         </a:p>
       </dsp:txBody>
       <dsp:txXfrm>
@@ -1724,7 +1659,7 @@
                 <a14:useLocalDpi xmlns:a14="http://schemas.microsoft.com/office/drawing/2010/main" val="0"/>
               </a:ext>
               <a:ext uri="{96DAC541-7B7A-43D3-8B79-37D633B846F1}">
-                <asvg:svgBlip xmlns="" xmlns:asvg="http://schemas.microsoft.com/office/drawing/2016/SVG/main" r:embed="rId6"/>
+                <asvg:svgBlip xmlns:asvg="http://schemas.microsoft.com/office/drawing/2016/SVG/main" r:embed="rId6"/>
               </a:ext>
             </a:extLst>
           </a:blip>
@@ -1796,7 +1731,7 @@
         </a:bodyPr>
         <a:lstStyle/>
         <a:p>
-          <a:pPr lvl="0" algn="l" defTabSz="844550">
+          <a:pPr marL="0" lvl="0" indent="0" algn="l" defTabSz="844550">
             <a:lnSpc>
               <a:spcPct val="90000"/>
             </a:lnSpc>
@@ -1806,12 +1741,12 @@
             <a:spcAft>
               <a:spcPct val="35000"/>
             </a:spcAft>
+            <a:buNone/>
           </a:pPr>
           <a:r>
-            <a:rPr lang="en-US" sz="1900" kern="1200" dirty="0" smtClean="0"/>
+            <a:rPr lang="en-US" sz="1900" kern="1200" dirty="0"/>
             <a:t>Exploratory analysis</a:t>
           </a:r>
-          <a:endParaRPr lang="en-US" sz="1900" kern="1200" dirty="0"/>
         </a:p>
       </dsp:txBody>
       <dsp:txXfrm>
@@ -1839,7 +1774,7 @@
                 <a14:useLocalDpi xmlns:a14="http://schemas.microsoft.com/office/drawing/2010/main" val="0"/>
               </a:ext>
               <a:ext uri="{96DAC541-7B7A-43D3-8B79-37D633B846F1}">
-                <asvg:svgBlip xmlns="" xmlns:asvg="http://schemas.microsoft.com/office/drawing/2016/SVG/main" r:embed="rId8"/>
+                <asvg:svgBlip xmlns:asvg="http://schemas.microsoft.com/office/drawing/2016/SVG/main" r:embed="rId8"/>
               </a:ext>
             </a:extLst>
           </a:blip>
@@ -1911,7 +1846,7 @@
         </a:bodyPr>
         <a:lstStyle/>
         <a:p>
-          <a:pPr lvl="0" algn="l" defTabSz="844550">
+          <a:pPr marL="0" lvl="0" indent="0" algn="l" defTabSz="844550">
             <a:lnSpc>
               <a:spcPct val="90000"/>
             </a:lnSpc>
@@ -1921,12 +1856,12 @@
             <a:spcAft>
               <a:spcPct val="35000"/>
             </a:spcAft>
+            <a:buNone/>
           </a:pPr>
           <a:r>
-            <a:rPr lang="en-US" sz="1900" kern="1200" dirty="0" smtClean="0"/>
+            <a:rPr lang="en-US" sz="1900" kern="1200" dirty="0"/>
             <a:t>Inferential analysis</a:t>
           </a:r>
-          <a:endParaRPr lang="en-US" sz="1900" kern="1200" dirty="0"/>
         </a:p>
       </dsp:txBody>
       <dsp:txXfrm>
@@ -4461,7 +4396,7 @@
           </a:lstStyle>
           <a:p>
             <a:r>
-              <a:rPr lang="en-US" smtClean="0"/>
+              <a:rPr lang="en-US"/>
               <a:t>Click to edit Master title style</a:t>
             </a:r>
             <a:endParaRPr lang="en-US" dirty="0"/>
@@ -4580,7 +4515,7 @@
           </a:lstStyle>
           <a:p>
             <a:r>
-              <a:rPr lang="en-US" smtClean="0"/>
+              <a:rPr lang="en-US"/>
               <a:t>Click to edit Master subtitle style</a:t>
             </a:r>
             <a:endParaRPr lang="en-US" dirty="0"/>
@@ -4610,7 +4545,7 @@
             <a:fld id="{87DE6118-2437-4B30-8E3C-4D2BE6020583}" type="datetimeFigureOut">
               <a:rPr lang="en-US" smtClean="0"/>
               <a:pPr/>
-              <a:t>2/6/2019</a:t>
+              <a:t>1/2/2023</a:t>
             </a:fld>
             <a:endParaRPr lang="en-US" dirty="0"/>
           </a:p>
@@ -4756,7 +4691,7 @@
           </a:lstStyle>
           <a:p>
             <a:r>
-              <a:rPr lang="en-US" smtClean="0"/>
+              <a:rPr lang="en-US"/>
               <a:t>Click to edit Master title style</a:t>
             </a:r>
             <a:endParaRPr lang="en-US" dirty="0"/>
@@ -4854,7 +4789,7 @@
           </a:lstStyle>
           <a:p>
             <a:r>
-              <a:rPr lang="en-US" smtClean="0"/>
+              <a:rPr lang="en-US"/>
               <a:t>Click icon to add picture</a:t>
             </a:r>
             <a:endParaRPr lang="en-US" dirty="0"/>
@@ -4922,7 +4857,7 @@
           <a:p>
             <a:pPr lvl="0"/>
             <a:r>
-              <a:rPr lang="en-US" smtClean="0"/>
+              <a:rPr lang="en-US"/>
               <a:t>Edit Master text styles</a:t>
             </a:r>
           </a:p>
@@ -4946,7 +4881,7 @@
             <a:fld id="{87DE6118-2437-4B30-8E3C-4D2BE6020583}" type="datetimeFigureOut">
               <a:rPr lang="en-US" smtClean="0"/>
               <a:pPr/>
-              <a:t>2/6/2019</a:t>
+              <a:t>1/2/2023</a:t>
             </a:fld>
             <a:endParaRPr lang="en-US" dirty="0"/>
           </a:p>
@@ -5082,7 +5017,7 @@
           </a:lstStyle>
           <a:p>
             <a:r>
-              <a:rPr lang="en-US" smtClean="0"/>
+              <a:rPr lang="en-US"/>
               <a:t>Click to edit Master title style</a:t>
             </a:r>
             <a:endParaRPr lang="en-US" dirty="0"/>
@@ -5202,7 +5137,7 @@
           <a:p>
             <a:pPr lvl="0"/>
             <a:r>
-              <a:rPr lang="en-US" smtClean="0"/>
+              <a:rPr lang="en-US"/>
               <a:t>Edit Master text styles</a:t>
             </a:r>
           </a:p>
@@ -5226,7 +5161,7 @@
             <a:fld id="{87DE6118-2437-4B30-8E3C-4D2BE6020583}" type="datetimeFigureOut">
               <a:rPr lang="en-US" smtClean="0"/>
               <a:pPr/>
-              <a:t>2/6/2019</a:t>
+              <a:t>1/2/2023</a:t>
             </a:fld>
             <a:endParaRPr lang="en-US" dirty="0"/>
           </a:p>
@@ -5598,7 +5533,7 @@
           </a:lstStyle>
           <a:p>
             <a:r>
-              <a:rPr lang="en-US" smtClean="0"/>
+              <a:rPr lang="en-US"/>
               <a:t>Click to edit Master title style</a:t>
             </a:r>
             <a:endParaRPr lang="en-US" dirty="0"/>
@@ -5653,7 +5588,7 @@
           <a:p>
             <a:pPr lvl="0"/>
             <a:r>
-              <a:rPr lang="en-US" smtClean="0"/>
+              <a:rPr lang="en-US"/>
               <a:t>Edit Master text styles</a:t>
             </a:r>
           </a:p>
@@ -5772,7 +5707,7 @@
           <a:p>
             <a:pPr lvl="0"/>
             <a:r>
-              <a:rPr lang="en-US" smtClean="0"/>
+              <a:rPr lang="en-US"/>
               <a:t>Edit Master text styles</a:t>
             </a:r>
           </a:p>
@@ -5796,7 +5731,7 @@
             <a:fld id="{87DE6118-2437-4B30-8E3C-4D2BE6020583}" type="datetimeFigureOut">
               <a:rPr lang="en-US" smtClean="0"/>
               <a:pPr/>
-              <a:t>2/6/2019</a:t>
+              <a:t>1/2/2023</a:t>
             </a:fld>
             <a:endParaRPr lang="en-US" dirty="0"/>
           </a:p>
@@ -5932,7 +5867,7 @@
           </a:lstStyle>
           <a:p>
             <a:r>
-              <a:rPr lang="en-US" smtClean="0"/>
+              <a:rPr lang="en-US"/>
               <a:t>Click to edit Master title style</a:t>
             </a:r>
             <a:endParaRPr lang="en-US" dirty="0"/>
@@ -6052,7 +5987,7 @@
           <a:p>
             <a:pPr lvl="0"/>
             <a:r>
-              <a:rPr lang="en-US" smtClean="0"/>
+              <a:rPr lang="en-US"/>
               <a:t>Edit Master text styles</a:t>
             </a:r>
           </a:p>
@@ -6076,7 +6011,7 @@
             <a:fld id="{87DE6118-2437-4B30-8E3C-4D2BE6020583}" type="datetimeFigureOut">
               <a:rPr lang="en-US" smtClean="0"/>
               <a:pPr/>
-              <a:t>2/6/2019</a:t>
+              <a:t>1/2/2023</a:t>
             </a:fld>
             <a:endParaRPr lang="en-US" dirty="0"/>
           </a:p>
@@ -6448,7 +6383,7 @@
           </a:lstStyle>
           <a:p>
             <a:r>
-              <a:rPr lang="en-US" smtClean="0"/>
+              <a:rPr lang="en-US"/>
               <a:t>Click to edit Master title style</a:t>
             </a:r>
             <a:endParaRPr lang="en-US" dirty="0"/>
@@ -6497,7 +6432,7 @@
               <a:buNone/>
             </a:pPr>
             <a:r>
-              <a:rPr lang="en-US" smtClean="0"/>
+              <a:rPr lang="en-US"/>
               <a:t>Edit Master text styles</a:t>
             </a:r>
           </a:p>
@@ -6616,7 +6551,7 @@
           <a:p>
             <a:pPr lvl="0"/>
             <a:r>
-              <a:rPr lang="en-US" smtClean="0"/>
+              <a:rPr lang="en-US"/>
               <a:t>Edit Master text styles</a:t>
             </a:r>
           </a:p>
@@ -6640,7 +6575,7 @@
             <a:fld id="{87DE6118-2437-4B30-8E3C-4D2BE6020583}" type="datetimeFigureOut">
               <a:rPr lang="en-US" smtClean="0"/>
               <a:pPr/>
-              <a:t>2/6/2019</a:t>
+              <a:t>1/2/2023</a:t>
             </a:fld>
             <a:endParaRPr lang="en-US" dirty="0"/>
           </a:p>
@@ -6777,7 +6712,7 @@
           <a:p>
             <a:pPr marL="0" lvl="0"/>
             <a:r>
-              <a:rPr lang="en-US" smtClean="0"/>
+              <a:rPr lang="en-US"/>
               <a:t>Click to edit Master title style</a:t>
             </a:r>
             <a:endParaRPr lang="en-US" dirty="0"/>
@@ -6826,7 +6761,7 @@
               <a:buNone/>
             </a:pPr>
             <a:r>
-              <a:rPr lang="en-US" smtClean="0"/>
+              <a:rPr lang="en-US"/>
               <a:t>Edit Master text styles</a:t>
             </a:r>
           </a:p>
@@ -6945,7 +6880,7 @@
           <a:p>
             <a:pPr lvl="0"/>
             <a:r>
-              <a:rPr lang="en-US" smtClean="0"/>
+              <a:rPr lang="en-US"/>
               <a:t>Edit Master text styles</a:t>
             </a:r>
           </a:p>
@@ -6969,7 +6904,7 @@
             <a:fld id="{87DE6118-2437-4B30-8E3C-4D2BE6020583}" type="datetimeFigureOut">
               <a:rPr lang="en-US" smtClean="0"/>
               <a:pPr/>
-              <a:t>2/6/2019</a:t>
+              <a:t>1/2/2023</a:t>
             </a:fld>
             <a:endParaRPr lang="en-US" dirty="0"/>
           </a:p>
@@ -7099,7 +7034,7 @@
           <a:lstStyle/>
           <a:p>
             <a:r>
-              <a:rPr lang="en-US" smtClean="0"/>
+              <a:rPr lang="en-US"/>
               <a:t>Click to edit Master title style</a:t>
             </a:r>
             <a:endParaRPr lang="en-US" dirty="0"/>
@@ -7123,35 +7058,35 @@
           <a:p>
             <a:pPr lvl="0"/>
             <a:r>
-              <a:rPr lang="en-US" smtClean="0"/>
+              <a:rPr lang="en-US"/>
               <a:t>Edit Master text styles</a:t>
             </a:r>
           </a:p>
           <a:p>
             <a:pPr lvl="1"/>
             <a:r>
-              <a:rPr lang="en-US" smtClean="0"/>
+              <a:rPr lang="en-US"/>
               <a:t>Second level</a:t>
             </a:r>
           </a:p>
           <a:p>
             <a:pPr lvl="2"/>
             <a:r>
-              <a:rPr lang="en-US" smtClean="0"/>
+              <a:rPr lang="en-US"/>
               <a:t>Third level</a:t>
             </a:r>
           </a:p>
           <a:p>
             <a:pPr lvl="3"/>
             <a:r>
-              <a:rPr lang="en-US" smtClean="0"/>
+              <a:rPr lang="en-US"/>
               <a:t>Fourth level</a:t>
             </a:r>
           </a:p>
           <a:p>
             <a:pPr lvl="4"/>
             <a:r>
-              <a:rPr lang="en-US" smtClean="0"/>
+              <a:rPr lang="en-US"/>
               <a:t>Fifth level</a:t>
             </a:r>
             <a:endParaRPr lang="en-US" dirty="0"/>
@@ -7175,7 +7110,7 @@
           <a:p>
             <a:fld id="{87DE6118-2437-4B30-8E3C-4D2BE6020583}" type="datetimeFigureOut">
               <a:rPr lang="en-US" smtClean="0"/>
-              <a:t>2/6/2019</a:t>
+              <a:t>1/2/2023</a:t>
             </a:fld>
             <a:endParaRPr lang="en-US" dirty="0"/>
           </a:p>
@@ -7304,7 +7239,7 @@
           <a:lstStyle/>
           <a:p>
             <a:r>
-              <a:rPr lang="en-US" smtClean="0"/>
+              <a:rPr lang="en-US"/>
               <a:t>Click to edit Master title style</a:t>
             </a:r>
             <a:endParaRPr lang="en-US" dirty="0"/>
@@ -7333,35 +7268,35 @@
           <a:p>
             <a:pPr lvl="0"/>
             <a:r>
-              <a:rPr lang="en-US" smtClean="0"/>
+              <a:rPr lang="en-US"/>
               <a:t>Edit Master text styles</a:t>
             </a:r>
           </a:p>
           <a:p>
             <a:pPr lvl="1"/>
             <a:r>
-              <a:rPr lang="en-US" smtClean="0"/>
+              <a:rPr lang="en-US"/>
               <a:t>Second level</a:t>
             </a:r>
           </a:p>
           <a:p>
             <a:pPr lvl="2"/>
             <a:r>
-              <a:rPr lang="en-US" smtClean="0"/>
+              <a:rPr lang="en-US"/>
               <a:t>Third level</a:t>
             </a:r>
           </a:p>
           <a:p>
             <a:pPr lvl="3"/>
             <a:r>
-              <a:rPr lang="en-US" smtClean="0"/>
+              <a:rPr lang="en-US"/>
               <a:t>Fourth level</a:t>
             </a:r>
           </a:p>
           <a:p>
             <a:pPr lvl="4"/>
             <a:r>
-              <a:rPr lang="en-US" smtClean="0"/>
+              <a:rPr lang="en-US"/>
               <a:t>Fifth level</a:t>
             </a:r>
             <a:endParaRPr lang="en-US" dirty="0"/>
@@ -7385,7 +7320,7 @@
           <a:p>
             <a:fld id="{87DE6118-2437-4B30-8E3C-4D2BE6020583}" type="datetimeFigureOut">
               <a:rPr lang="en-US" smtClean="0"/>
-              <a:t>2/6/2019</a:t>
+              <a:t>1/2/2023</a:t>
             </a:fld>
             <a:endParaRPr lang="en-US" dirty="0"/>
           </a:p>
@@ -7509,7 +7444,7 @@
           <a:lstStyle/>
           <a:p>
             <a:r>
-              <a:rPr lang="en-US" smtClean="0"/>
+              <a:rPr lang="en-US"/>
               <a:t>Click to edit Master title style</a:t>
             </a:r>
             <a:endParaRPr lang="en-US" dirty="0"/>
@@ -7533,35 +7468,35 @@
           <a:p>
             <a:pPr lvl="0"/>
             <a:r>
-              <a:rPr lang="en-US" smtClean="0"/>
+              <a:rPr lang="en-US"/>
               <a:t>Edit Master text styles</a:t>
             </a:r>
           </a:p>
           <a:p>
             <a:pPr lvl="1"/>
             <a:r>
-              <a:rPr lang="en-US" smtClean="0"/>
+              <a:rPr lang="en-US"/>
               <a:t>Second level</a:t>
             </a:r>
           </a:p>
           <a:p>
             <a:pPr lvl="2"/>
             <a:r>
-              <a:rPr lang="en-US" smtClean="0"/>
+              <a:rPr lang="en-US"/>
               <a:t>Third level</a:t>
             </a:r>
           </a:p>
           <a:p>
             <a:pPr lvl="3"/>
             <a:r>
-              <a:rPr lang="en-US" smtClean="0"/>
+              <a:rPr lang="en-US"/>
               <a:t>Fourth level</a:t>
             </a:r>
           </a:p>
           <a:p>
             <a:pPr lvl="4"/>
             <a:r>
-              <a:rPr lang="en-US" smtClean="0"/>
+              <a:rPr lang="en-US"/>
               <a:t>Fifth level</a:t>
             </a:r>
             <a:endParaRPr lang="en-US" dirty="0"/>
@@ -7585,7 +7520,7 @@
           <a:p>
             <a:fld id="{87DE6118-2437-4B30-8E3C-4D2BE6020583}" type="datetimeFigureOut">
               <a:rPr lang="en-US" smtClean="0"/>
-              <a:t>2/6/2019</a:t>
+              <a:t>1/2/2023</a:t>
             </a:fld>
             <a:endParaRPr lang="en-US" dirty="0"/>
           </a:p>
@@ -7718,7 +7653,7 @@
           </a:lstStyle>
           <a:p>
             <a:r>
-              <a:rPr lang="en-US" smtClean="0"/>
+              <a:rPr lang="en-US"/>
               <a:t>Click to edit Master title style</a:t>
             </a:r>
             <a:endParaRPr lang="en-US" dirty="0"/>
@@ -7838,7 +7773,7 @@
           <a:p>
             <a:pPr lvl="0"/>
             <a:r>
-              <a:rPr lang="en-US" smtClean="0"/>
+              <a:rPr lang="en-US"/>
               <a:t>Edit Master text styles</a:t>
             </a:r>
           </a:p>
@@ -7862,7 +7797,7 @@
             <a:fld id="{87DE6118-2437-4B30-8E3C-4D2BE6020583}" type="datetimeFigureOut">
               <a:rPr lang="en-US" smtClean="0"/>
               <a:pPr/>
-              <a:t>2/6/2019</a:t>
+              <a:t>1/2/2023</a:t>
             </a:fld>
             <a:endParaRPr lang="en-US" dirty="0"/>
           </a:p>
@@ -7987,7 +7922,7 @@
           <a:lstStyle/>
           <a:p>
             <a:r>
-              <a:rPr lang="en-US" smtClean="0"/>
+              <a:rPr lang="en-US"/>
               <a:t>Click to edit Master title style</a:t>
             </a:r>
             <a:endParaRPr lang="en-US" dirty="0"/>
@@ -8018,35 +7953,35 @@
           <a:p>
             <a:pPr lvl="0"/>
             <a:r>
-              <a:rPr lang="en-US" smtClean="0"/>
+              <a:rPr lang="en-US"/>
               <a:t>Edit Master text styles</a:t>
             </a:r>
           </a:p>
           <a:p>
             <a:pPr lvl="1"/>
             <a:r>
-              <a:rPr lang="en-US" smtClean="0"/>
+              <a:rPr lang="en-US"/>
               <a:t>Second level</a:t>
             </a:r>
           </a:p>
           <a:p>
             <a:pPr lvl="2"/>
             <a:r>
-              <a:rPr lang="en-US" smtClean="0"/>
+              <a:rPr lang="en-US"/>
               <a:t>Third level</a:t>
             </a:r>
           </a:p>
           <a:p>
             <a:pPr lvl="3"/>
             <a:r>
-              <a:rPr lang="en-US" smtClean="0"/>
+              <a:rPr lang="en-US"/>
               <a:t>Fourth level</a:t>
             </a:r>
           </a:p>
           <a:p>
             <a:pPr lvl="4"/>
             <a:r>
-              <a:rPr lang="en-US" smtClean="0"/>
+              <a:rPr lang="en-US"/>
               <a:t>Fifth level</a:t>
             </a:r>
             <a:endParaRPr lang="en-US" dirty="0"/>
@@ -8077,35 +8012,35 @@
           <a:p>
             <a:pPr lvl="0"/>
             <a:r>
-              <a:rPr lang="en-US" smtClean="0"/>
+              <a:rPr lang="en-US"/>
               <a:t>Edit Master text styles</a:t>
             </a:r>
           </a:p>
           <a:p>
             <a:pPr lvl="1"/>
             <a:r>
-              <a:rPr lang="en-US" smtClean="0"/>
+              <a:rPr lang="en-US"/>
               <a:t>Second level</a:t>
             </a:r>
           </a:p>
           <a:p>
             <a:pPr lvl="2"/>
             <a:r>
-              <a:rPr lang="en-US" smtClean="0"/>
+              <a:rPr lang="en-US"/>
               <a:t>Third level</a:t>
             </a:r>
           </a:p>
           <a:p>
             <a:pPr lvl="3"/>
             <a:r>
-              <a:rPr lang="en-US" smtClean="0"/>
+              <a:rPr lang="en-US"/>
               <a:t>Fourth level</a:t>
             </a:r>
           </a:p>
           <a:p>
             <a:pPr lvl="4"/>
             <a:r>
-              <a:rPr lang="en-US" smtClean="0"/>
+              <a:rPr lang="en-US"/>
               <a:t>Fifth level</a:t>
             </a:r>
             <a:endParaRPr lang="en-US" dirty="0"/>
@@ -8129,7 +8064,7 @@
           <a:p>
             <a:fld id="{87DE6118-2437-4B30-8E3C-4D2BE6020583}" type="datetimeFigureOut">
               <a:rPr lang="en-US" smtClean="0"/>
-              <a:t>2/6/2019</a:t>
+              <a:t>1/2/2023</a:t>
             </a:fld>
             <a:endParaRPr lang="en-US" dirty="0"/>
           </a:p>
@@ -8227,7 +8162,7 @@
           </a:lstStyle>
           <a:p>
             <a:r>
-              <a:rPr lang="en-US" smtClean="0"/>
+              <a:rPr lang="en-US"/>
               <a:t>Click to edit Master title style</a:t>
             </a:r>
             <a:endParaRPr lang="en-US" dirty="0"/>
@@ -8295,7 +8230,7 @@
           <a:p>
             <a:pPr lvl="0"/>
             <a:r>
-              <a:rPr lang="en-US" smtClean="0"/>
+              <a:rPr lang="en-US"/>
               <a:t>Edit Master text styles</a:t>
             </a:r>
           </a:p>
@@ -8325,35 +8260,35 @@
           <a:p>
             <a:pPr lvl="0"/>
             <a:r>
-              <a:rPr lang="en-US" smtClean="0"/>
+              <a:rPr lang="en-US"/>
               <a:t>Edit Master text styles</a:t>
             </a:r>
           </a:p>
           <a:p>
             <a:pPr lvl="1"/>
             <a:r>
-              <a:rPr lang="en-US" smtClean="0"/>
+              <a:rPr lang="en-US"/>
               <a:t>Second level</a:t>
             </a:r>
           </a:p>
           <a:p>
             <a:pPr lvl="2"/>
             <a:r>
-              <a:rPr lang="en-US" smtClean="0"/>
+              <a:rPr lang="en-US"/>
               <a:t>Third level</a:t>
             </a:r>
           </a:p>
           <a:p>
             <a:pPr lvl="3"/>
             <a:r>
-              <a:rPr lang="en-US" smtClean="0"/>
+              <a:rPr lang="en-US"/>
               <a:t>Fourth level</a:t>
             </a:r>
           </a:p>
           <a:p>
             <a:pPr lvl="4"/>
             <a:r>
-              <a:rPr lang="en-US" smtClean="0"/>
+              <a:rPr lang="en-US"/>
               <a:t>Fifth level</a:t>
             </a:r>
             <a:endParaRPr lang="en-US" dirty="0"/>
@@ -8421,7 +8356,7 @@
           <a:p>
             <a:pPr lvl="0"/>
             <a:r>
-              <a:rPr lang="en-US" smtClean="0"/>
+              <a:rPr lang="en-US"/>
               <a:t>Edit Master text styles</a:t>
             </a:r>
           </a:p>
@@ -8451,35 +8386,35 @@
           <a:p>
             <a:pPr lvl="0"/>
             <a:r>
-              <a:rPr lang="en-US" smtClean="0"/>
+              <a:rPr lang="en-US"/>
               <a:t>Edit Master text styles</a:t>
             </a:r>
           </a:p>
           <a:p>
             <a:pPr lvl="1"/>
             <a:r>
-              <a:rPr lang="en-US" smtClean="0"/>
+              <a:rPr lang="en-US"/>
               <a:t>Second level</a:t>
             </a:r>
           </a:p>
           <a:p>
             <a:pPr lvl="2"/>
             <a:r>
-              <a:rPr lang="en-US" smtClean="0"/>
+              <a:rPr lang="en-US"/>
               <a:t>Third level</a:t>
             </a:r>
           </a:p>
           <a:p>
             <a:pPr lvl="3"/>
             <a:r>
-              <a:rPr lang="en-US" smtClean="0"/>
+              <a:rPr lang="en-US"/>
               <a:t>Fourth level</a:t>
             </a:r>
           </a:p>
           <a:p>
             <a:pPr lvl="4"/>
             <a:r>
-              <a:rPr lang="en-US" smtClean="0"/>
+              <a:rPr lang="en-US"/>
               <a:t>Fifth level</a:t>
             </a:r>
             <a:endParaRPr lang="en-US" dirty="0"/>
@@ -8503,7 +8438,7 @@
           <a:p>
             <a:fld id="{87DE6118-2437-4B30-8E3C-4D2BE6020583}" type="datetimeFigureOut">
               <a:rPr lang="en-US" smtClean="0"/>
-              <a:t>2/6/2019</a:t>
+              <a:t>1/2/2023</a:t>
             </a:fld>
             <a:endParaRPr lang="en-US" dirty="0"/>
           </a:p>
@@ -8627,7 +8562,7 @@
           <a:lstStyle/>
           <a:p>
             <a:r>
-              <a:rPr lang="en-US" smtClean="0"/>
+              <a:rPr lang="en-US"/>
               <a:t>Click to edit Master title style</a:t>
             </a:r>
             <a:endParaRPr lang="en-US" dirty="0"/>
@@ -8651,7 +8586,7 @@
           <a:p>
             <a:fld id="{87DE6118-2437-4B30-8E3C-4D2BE6020583}" type="datetimeFigureOut">
               <a:rPr lang="en-US" smtClean="0"/>
-              <a:t>2/6/2019</a:t>
+              <a:t>1/2/2023</a:t>
             </a:fld>
             <a:endParaRPr lang="en-US" dirty="0"/>
           </a:p>
@@ -8776,7 +8711,7 @@
           <a:p>
             <a:fld id="{87DE6118-2437-4B30-8E3C-4D2BE6020583}" type="datetimeFigureOut">
               <a:rPr lang="en-US" smtClean="0"/>
-              <a:t>2/6/2019</a:t>
+              <a:t>1/2/2023</a:t>
             </a:fld>
             <a:endParaRPr lang="en-US" dirty="0"/>
           </a:p>
@@ -8911,7 +8846,7 @@
           </a:lstStyle>
           <a:p>
             <a:r>
-              <a:rPr lang="en-US" smtClean="0"/>
+              <a:rPr lang="en-US"/>
               <a:t>Click to edit Master title style</a:t>
             </a:r>
             <a:endParaRPr lang="en-US" dirty="0"/>
@@ -8942,35 +8877,35 @@
           <a:p>
             <a:pPr lvl="0"/>
             <a:r>
-              <a:rPr lang="en-US" smtClean="0"/>
+              <a:rPr lang="en-US"/>
               <a:t>Edit Master text styles</a:t>
             </a:r>
           </a:p>
           <a:p>
             <a:pPr lvl="1"/>
             <a:r>
-              <a:rPr lang="en-US" smtClean="0"/>
+              <a:rPr lang="en-US"/>
               <a:t>Second level</a:t>
             </a:r>
           </a:p>
           <a:p>
             <a:pPr lvl="2"/>
             <a:r>
-              <a:rPr lang="en-US" smtClean="0"/>
+              <a:rPr lang="en-US"/>
               <a:t>Third level</a:t>
             </a:r>
           </a:p>
           <a:p>
             <a:pPr lvl="3"/>
             <a:r>
-              <a:rPr lang="en-US" smtClean="0"/>
+              <a:rPr lang="en-US"/>
               <a:t>Fourth level</a:t>
             </a:r>
           </a:p>
           <a:p>
             <a:pPr lvl="4"/>
             <a:r>
-              <a:rPr lang="en-US" smtClean="0"/>
+              <a:rPr lang="en-US"/>
               <a:t>Fifth level</a:t>
             </a:r>
             <a:endParaRPr lang="en-US" dirty="0"/>
@@ -9038,7 +8973,7 @@
           <a:p>
             <a:pPr lvl="0"/>
             <a:r>
-              <a:rPr lang="en-US" smtClean="0"/>
+              <a:rPr lang="en-US"/>
               <a:t>Edit Master text styles</a:t>
             </a:r>
           </a:p>
@@ -9062,7 +8997,7 @@
             <a:fld id="{87DE6118-2437-4B30-8E3C-4D2BE6020583}" type="datetimeFigureOut">
               <a:rPr lang="en-US" smtClean="0"/>
               <a:pPr/>
-              <a:t>2/6/2019</a:t>
+              <a:t>1/2/2023</a:t>
             </a:fld>
             <a:endParaRPr lang="en-US" dirty="0"/>
           </a:p>
@@ -9198,7 +9133,7 @@
           </a:lstStyle>
           <a:p>
             <a:r>
-              <a:rPr lang="en-US" smtClean="0"/>
+              <a:rPr lang="en-US"/>
               <a:t>Click to edit Master title style</a:t>
             </a:r>
             <a:endParaRPr lang="en-US" dirty="0"/>
@@ -9296,7 +9231,7 @@
           </a:lstStyle>
           <a:p>
             <a:r>
-              <a:rPr lang="en-US" smtClean="0"/>
+              <a:rPr lang="en-US"/>
               <a:t>Click icon to add picture</a:t>
             </a:r>
             <a:endParaRPr lang="en-US" dirty="0"/>
@@ -9364,7 +9299,7 @@
           <a:p>
             <a:pPr lvl="0"/>
             <a:r>
-              <a:rPr lang="en-US" smtClean="0"/>
+              <a:rPr lang="en-US"/>
               <a:t>Edit Master text styles</a:t>
             </a:r>
           </a:p>
@@ -9388,7 +9323,7 @@
             <a:fld id="{87DE6118-2437-4B30-8E3C-4D2BE6020583}" type="datetimeFigureOut">
               <a:rPr lang="en-US" smtClean="0"/>
               <a:pPr/>
-              <a:t>2/6/2019</a:t>
+              <a:t>1/2/2023</a:t>
             </a:fld>
             <a:endParaRPr lang="en-US" dirty="0"/>
           </a:p>
@@ -9499,7 +9434,7 @@
           <a:lstStyle/>
           <a:p>
             <a:r>
-              <a:rPr lang="en-US" smtClean="0"/>
+              <a:rPr lang="en-US"/>
               <a:t>Click to edit Master title style</a:t>
             </a:r>
             <a:endParaRPr lang="en-US" dirty="0"/>
@@ -9604,7 +9539,7 @@
             <a:fld id="{87DE6118-2437-4B30-8E3C-4D2BE6020583}" type="datetimeFigureOut">
               <a:rPr lang="en-US" smtClean="0"/>
               <a:pPr/>
-              <a:t>2/6/2019</a:t>
+              <a:t>1/2/2023</a:t>
             </a:fld>
             <a:endParaRPr lang="en-US" dirty="0"/>
           </a:p>
@@ -10188,10 +10123,9 @@
           <a:lstStyle/>
           <a:p>
             <a:r>
-              <a:rPr lang="en-US" b="1" dirty="0" smtClean="0"/>
+              <a:rPr lang="en-US" b="1" dirty="0"/>
               <a:t>Restaurant recommender system</a:t>
             </a:r>
-            <a:endParaRPr lang="en-US" b="1" dirty="0"/>
           </a:p>
         </p:txBody>
       </p:sp>
@@ -10224,7 +10158,7 @@
           <a:lstStyle/>
           <a:p>
             <a:r>
-              <a:rPr lang="en-US" dirty="0" smtClean="0">
+              <a:rPr lang="en-US" dirty="0">
                 <a:solidFill>
                   <a:schemeClr val="accent1">
                     <a:lumMod val="40000"/>
@@ -10234,14 +10168,6 @@
               </a:rPr>
               <a:t>IBM Capstone project.</a:t>
             </a:r>
-            <a:endParaRPr lang="en-US" dirty="0">
-              <a:solidFill>
-                <a:schemeClr val="accent1">
-                  <a:lumMod val="40000"/>
-                  <a:lumOff val="60000"/>
-                </a:schemeClr>
-              </a:solidFill>
-            </a:endParaRPr>
           </a:p>
         </p:txBody>
       </p:sp>
@@ -10334,7 +10260,7 @@
           <a:lstStyle/>
           <a:p>
             <a:r>
-              <a:rPr lang="en-US" dirty="0" smtClean="0"/>
+              <a:rPr lang="en-US" dirty="0"/>
               <a:t>Methodology</a:t>
             </a:r>
             <a:endParaRPr lang="ru-RU" dirty="0"/>
@@ -10822,10 +10748,9 @@
           <a:lstStyle/>
           <a:p>
             <a:r>
-              <a:rPr lang="en-US" dirty="0" smtClean="0"/>
+              <a:rPr lang="en-US" dirty="0"/>
               <a:t>Datasets</a:t>
             </a:r>
-            <a:endParaRPr lang="en-US" dirty="0"/>
           </a:p>
         </p:txBody>
       </p:sp>
@@ -11233,10 +11158,9 @@
           <a:p>
             <a:pPr algn="ctr"/>
             <a:r>
-              <a:rPr lang="en-US" dirty="0" smtClean="0"/>
+              <a:rPr lang="en-US" dirty="0"/>
               <a:t>Mapping and clustering</a:t>
             </a:r>
-            <a:endParaRPr lang="en-US" dirty="0"/>
           </a:p>
         </p:txBody>
       </p:sp>
@@ -11346,10 +11270,9 @@
           <a:lstStyle/>
           <a:p>
             <a:r>
-              <a:rPr lang="en-US" dirty="0" smtClean="0"/>
+              <a:rPr lang="en-US" dirty="0"/>
               <a:t>Results and conclusion</a:t>
             </a:r>
-            <a:endParaRPr lang="en-US" dirty="0"/>
           </a:p>
         </p:txBody>
       </p:sp>
@@ -11541,7 +11464,7 @@
           <a:lstStyle/>
           <a:p>
             <a:r>
-              <a:rPr lang="en-US" dirty="0" smtClean="0">
+              <a:rPr lang="en-US" dirty="0">
                 <a:solidFill>
                   <a:schemeClr val="accent1">
                     <a:lumMod val="40000"/>
@@ -11549,16 +11472,8 @@
                   </a:schemeClr>
                 </a:solidFill>
               </a:rPr>
-              <a:t>pklappy21@gmail.com</a:t>
+              <a:t>Naveen.lingutlads@gmail.com</a:t>
             </a:r>
-            <a:endParaRPr lang="en-US" dirty="0">
-              <a:solidFill>
-                <a:schemeClr val="accent1">
-                  <a:lumMod val="40000"/>
-                  <a:lumOff val="60000"/>
-                </a:schemeClr>
-              </a:solidFill>
-            </a:endParaRPr>
           </a:p>
         </p:txBody>
       </p:sp>
@@ -11825,23 +11740,6 @@
 </file>
 
 <file path=customXml/item1.xml><?xml version="1.0" encoding="utf-8"?>
-<?mso-contentType ?>
-<FormTemplates xmlns="http://schemas.microsoft.com/sharepoint/v3/contenttype/forms">
-  <Display>DocumentLibraryForm</Display>
-  <Edit>DocumentLibraryForm</Edit>
-  <New>DocumentLibraryForm</New>
-</FormTemplates>
-</file>
-
-<file path=customXml/item2.xml><?xml version="1.0" encoding="utf-8"?>
-<p:properties xmlns:p="http://schemas.microsoft.com/office/2006/metadata/properties" xmlns:xsi="http://www.w3.org/2001/XMLSchema-instance" xmlns:pc="http://schemas.microsoft.com/office/infopath/2007/PartnerControls">
-  <documentManagement>
-    <MediaServiceKeyPoints xmlns="71af3243-3dd4-4a8d-8c0d-dd76da1f02a5" xsi:nil="true"/>
-  </documentManagement>
-</p:properties>
-</file>
-
-<file path=customXml/item3.xml><?xml version="1.0" encoding="utf-8"?>
 <ct:contentTypeSchema xmlns:ct="http://schemas.microsoft.com/office/2006/metadata/contentType" xmlns:ma="http://schemas.microsoft.com/office/2006/metadata/properties/metaAttributes" ct:_="" ma:_="" ma:contentTypeName="Document" ma:contentTypeID="0x01010079F111ED35F8CC479449609E8A0923A6" ma:contentTypeVersion="11" ma:contentTypeDescription="Create a new document." ma:contentTypeScope="" ma:versionID="1c2eb7a32e66fb6e4260f3771546a5e2">
   <xsd:schema xmlns:xsd="http://www.w3.org/2001/XMLSchema" xmlns:xs="http://www.w3.org/2001/XMLSchema" xmlns:p="http://schemas.microsoft.com/office/2006/metadata/properties" xmlns:ns2="71af3243-3dd4-4a8d-8c0d-dd76da1f02a5" xmlns:ns3="16c05727-aa75-4e4a-9b5f-8a80a1165891" targetNamespace="http://schemas.microsoft.com/office/2006/metadata/properties" ma:root="true" ma:fieldsID="04e1f6479c48b08974ba73b5ca973489" ns2:_="" ns3:_="">
     <xsd:import namespace="71af3243-3dd4-4a8d-8c0d-dd76da1f02a5"/>
@@ -12052,25 +11950,24 @@
 </ct:contentTypeSchema>
 </file>
 
-<file path=customXml/itemProps1.xml><?xml version="1.0" encoding="utf-8"?>
-<ds:datastoreItem xmlns:ds="http://schemas.openxmlformats.org/officeDocument/2006/customXml" ds:itemID="{E0F1DF1E-36E3-406C-8CF7-DB13BB647087}">
-  <ds:schemaRefs>
-    <ds:schemaRef ds:uri="http://schemas.microsoft.com/sharepoint/v3/contenttype/forms"/>
-  </ds:schemaRefs>
-</ds:datastoreItem>
+<file path=customXml/item2.xml><?xml version="1.0" encoding="utf-8"?>
+<p:properties xmlns:p="http://schemas.microsoft.com/office/2006/metadata/properties" xmlns:xsi="http://www.w3.org/2001/XMLSchema-instance" xmlns:pc="http://schemas.microsoft.com/office/infopath/2007/PartnerControls">
+  <documentManagement>
+    <MediaServiceKeyPoints xmlns="71af3243-3dd4-4a8d-8c0d-dd76da1f02a5" xsi:nil="true"/>
+  </documentManagement>
+</p:properties>
 </file>
 
-<file path=customXml/itemProps2.xml><?xml version="1.0" encoding="utf-8"?>
-<ds:datastoreItem xmlns:ds="http://schemas.openxmlformats.org/officeDocument/2006/customXml" ds:itemID="{B85274BF-C111-4B7A-8D90-F7666D37C131}">
-  <ds:schemaRefs>
-    <ds:schemaRef ds:uri="http://schemas.microsoft.com/office/2006/metadata/properties"/>
-    <ds:schemaRef ds:uri="http://schemas.microsoft.com/office/infopath/2007/PartnerControls"/>
-    <ds:schemaRef ds:uri="71af3243-3dd4-4a8d-8c0d-dd76da1f02a5"/>
-  </ds:schemaRefs>
-</ds:datastoreItem>
+<file path=customXml/item3.xml><?xml version="1.0" encoding="utf-8"?>
+<?mso-contentType ?>
+<FormTemplates xmlns="http://schemas.microsoft.com/sharepoint/v3/contenttype/forms">
+  <Display>DocumentLibraryForm</Display>
+  <Edit>DocumentLibraryForm</Edit>
+  <New>DocumentLibraryForm</New>
+</FormTemplates>
 </file>
 
-<file path=customXml/itemProps3.xml><?xml version="1.0" encoding="utf-8"?>
+<file path=customXml/itemProps1.xml><?xml version="1.0" encoding="utf-8"?>
 <ds:datastoreItem xmlns:ds="http://schemas.openxmlformats.org/officeDocument/2006/customXml" ds:itemID="{9310845B-7F19-4A9A-BEE4-BEF0501E1A55}">
   <ds:schemaRefs>
     <ds:schemaRef ds:uri="http://schemas.microsoft.com/office/2006/metadata/contentType"/>
@@ -12087,4 +11984,22 @@
     <ds:schemaRef ds:uri="http://schemas.microsoft.com/internal/obd"/>
   </ds:schemaRefs>
 </ds:datastoreItem>
+</file>
+
+<file path=customXml/itemProps2.xml><?xml version="1.0" encoding="utf-8"?>
+<ds:datastoreItem xmlns:ds="http://schemas.openxmlformats.org/officeDocument/2006/customXml" ds:itemID="{B85274BF-C111-4B7A-8D90-F7666D37C131}">
+  <ds:schemaRefs>
+    <ds:schemaRef ds:uri="http://schemas.microsoft.com/office/2006/metadata/properties"/>
+    <ds:schemaRef ds:uri="http://schemas.microsoft.com/office/infopath/2007/PartnerControls"/>
+    <ds:schemaRef ds:uri="71af3243-3dd4-4a8d-8c0d-dd76da1f02a5"/>
+  </ds:schemaRefs>
+</ds:datastoreItem>
+</file>
+
+<file path=customXml/itemProps3.xml><?xml version="1.0" encoding="utf-8"?>
+<ds:datastoreItem xmlns:ds="http://schemas.openxmlformats.org/officeDocument/2006/customXml" ds:itemID="{E0F1DF1E-36E3-406C-8CF7-DB13BB647087}">
+  <ds:schemaRefs>
+    <ds:schemaRef ds:uri="http://schemas.microsoft.com/sharepoint/v3/contenttype/forms"/>
+  </ds:schemaRefs>
+</ds:datastoreItem>
 </file>